--- a/icons.pptx
+++ b/icons.pptx
@@ -104,6 +104,11 @@
       </a:defRPr>
     </a:lvl9pPr>
   </p:defaultTextStyle>
+  <p:extLst>
+    <p:ext uri="{EFAFB233-063F-42B5-8137-9DF3F51BA10A}">
+      <p15:sldGuideLst xmlns:p15="http://schemas.microsoft.com/office/powerpoint/2012/main"/>
+    </p:ext>
+  </p:extLst>
 </p:presentation>
 </file>
 
@@ -9777,7 +9782,7 @@
         </p:nvSpPr>
         <p:spPr>
           <a:xfrm>
-            <a:off x="3301463" y="1594335"/>
+            <a:off x="3594764" y="1594335"/>
             <a:ext cx="677952" cy="402676"/>
           </a:xfrm>
           <a:prstGeom prst="roundRect">
@@ -9836,7 +9841,7 @@
         </p:nvSpPr>
         <p:spPr>
           <a:xfrm>
-            <a:off x="4051961" y="1594335"/>
+            <a:off x="4345262" y="1594335"/>
             <a:ext cx="677952" cy="402676"/>
           </a:xfrm>
           <a:prstGeom prst="roundRect">
@@ -9895,7 +9900,7 @@
         </p:nvSpPr>
         <p:spPr>
           <a:xfrm>
-            <a:off x="4802459" y="1594335"/>
+            <a:off x="5095760" y="1594335"/>
             <a:ext cx="677952" cy="402676"/>
           </a:xfrm>
           <a:prstGeom prst="roundRect">
@@ -9954,7 +9959,7 @@
         </p:nvSpPr>
         <p:spPr>
           <a:xfrm>
-            <a:off x="3301463" y="2060366"/>
+            <a:off x="3594764" y="2060366"/>
             <a:ext cx="2178948" cy="1294208"/>
           </a:xfrm>
           <a:prstGeom prst="roundRect">
@@ -10015,7 +10020,7 @@
         </p:nvSpPr>
         <p:spPr>
           <a:xfrm>
-            <a:off x="3300500" y="2559053"/>
+            <a:off x="3593801" y="2559053"/>
             <a:ext cx="2185483" cy="691489"/>
           </a:xfrm>
           <a:custGeom>
@@ -10294,7 +10299,7 @@
         </p:nvSpPr>
         <p:spPr>
           <a:xfrm>
-            <a:off x="3303155" y="3084362"/>
+            <a:off x="3596456" y="3084362"/>
             <a:ext cx="2176515" cy="269071"/>
           </a:xfrm>
           <a:custGeom>
@@ -10632,7 +10637,7 @@
         </p:nvSpPr>
         <p:spPr>
           <a:xfrm>
-            <a:off x="4991756" y="2419093"/>
+            <a:off x="5285057" y="2419093"/>
             <a:ext cx="299358" cy="183697"/>
           </a:xfrm>
           <a:custGeom>
@@ -10843,7 +10848,7 @@
         </p:nvSpPr>
         <p:spPr>
           <a:xfrm>
-            <a:off x="4630421" y="2246141"/>
+            <a:off x="4923722" y="2246141"/>
             <a:ext cx="299358" cy="183697"/>
           </a:xfrm>
           <a:custGeom>
@@ -11054,7 +11059,7 @@
         </p:nvSpPr>
         <p:spPr>
           <a:xfrm>
-            <a:off x="3450550" y="2271324"/>
+            <a:off x="3743851" y="2271324"/>
             <a:ext cx="299358" cy="183697"/>
           </a:xfrm>
           <a:custGeom>
@@ -11265,7 +11270,7 @@
         </p:nvSpPr>
         <p:spPr>
           <a:xfrm>
-            <a:off x="3301961" y="2060366"/>
+            <a:off x="3595262" y="2060366"/>
             <a:ext cx="2178948" cy="1294208"/>
           </a:xfrm>
           <a:prstGeom prst="roundRect">
@@ -11321,7 +11326,7 @@
         </p:nvGrpSpPr>
         <p:grpSpPr>
           <a:xfrm>
-            <a:off x="3302219" y="1596919"/>
+            <a:off x="3595520" y="1596919"/>
             <a:ext cx="677196" cy="401025"/>
             <a:chOff x="983239" y="2076062"/>
             <a:chExt cx="2185483" cy="1294208"/>
@@ -12882,7 +12887,7 @@
         </p:nvGrpSpPr>
         <p:grpSpPr>
           <a:xfrm>
-            <a:off x="4052717" y="1594335"/>
+            <a:off x="4346018" y="1594335"/>
             <a:ext cx="677196" cy="401025"/>
             <a:chOff x="983239" y="2076062"/>
             <a:chExt cx="2185483" cy="1294208"/>
@@ -14443,7 +14448,7 @@
         </p:nvGrpSpPr>
         <p:grpSpPr>
           <a:xfrm>
-            <a:off x="4803912" y="1594335"/>
+            <a:off x="5097213" y="1594335"/>
             <a:ext cx="677196" cy="401025"/>
             <a:chOff x="983239" y="2076062"/>
             <a:chExt cx="2185483" cy="1294208"/>
@@ -16012,7 +16017,7 @@
         </p:blipFill>
         <p:spPr>
           <a:xfrm>
-            <a:off x="4144987" y="2831459"/>
+            <a:off x="4438288" y="2831459"/>
             <a:ext cx="490783" cy="492359"/>
           </a:xfrm>
           <a:prstGeom prst="rect">
@@ -16034,7 +16039,7 @@
         </p:nvGrpSpPr>
         <p:grpSpPr>
           <a:xfrm rot="16200000">
-            <a:off x="4013144" y="3156429"/>
+            <a:off x="4306445" y="3156429"/>
             <a:ext cx="799402" cy="987627"/>
             <a:chOff x="3998768" y="2358340"/>
             <a:chExt cx="799402" cy="987627"/>
@@ -16290,7 +16295,7 @@
         </p:nvSpPr>
         <p:spPr>
           <a:xfrm>
-            <a:off x="5610512" y="1591187"/>
+            <a:off x="6191363" y="1591187"/>
             <a:ext cx="677952" cy="402676"/>
           </a:xfrm>
           <a:prstGeom prst="roundRect">
@@ -16349,7 +16354,7 @@
         </p:nvSpPr>
         <p:spPr>
           <a:xfrm>
-            <a:off x="6361010" y="1591187"/>
+            <a:off x="6941861" y="1591187"/>
             <a:ext cx="677952" cy="402676"/>
           </a:xfrm>
           <a:prstGeom prst="roundRect">
@@ -16408,7 +16413,7 @@
         </p:nvSpPr>
         <p:spPr>
           <a:xfrm>
-            <a:off x="7111508" y="1591187"/>
+            <a:off x="7692359" y="1591187"/>
             <a:ext cx="677952" cy="402676"/>
           </a:xfrm>
           <a:prstGeom prst="roundRect">
@@ -16467,7 +16472,7 @@
         </p:nvSpPr>
         <p:spPr>
           <a:xfrm>
-            <a:off x="5610512" y="2057218"/>
+            <a:off x="6191363" y="2057218"/>
             <a:ext cx="2178948" cy="1294208"/>
           </a:xfrm>
           <a:prstGeom prst="roundRect">
@@ -16528,7 +16533,7 @@
         </p:nvSpPr>
         <p:spPr>
           <a:xfrm>
-            <a:off x="5609549" y="2555905"/>
+            <a:off x="6190400" y="2555905"/>
             <a:ext cx="2185483" cy="691489"/>
           </a:xfrm>
           <a:custGeom>
@@ -16807,7 +16812,7 @@
         </p:nvSpPr>
         <p:spPr>
           <a:xfrm>
-            <a:off x="5612204" y="3081214"/>
+            <a:off x="6193055" y="3081214"/>
             <a:ext cx="2176515" cy="269071"/>
           </a:xfrm>
           <a:custGeom>
@@ -17145,7 +17150,7 @@
         </p:nvSpPr>
         <p:spPr>
           <a:xfrm>
-            <a:off x="7300805" y="2415945"/>
+            <a:off x="7881656" y="2415945"/>
             <a:ext cx="299358" cy="183697"/>
           </a:xfrm>
           <a:custGeom>
@@ -17356,7 +17361,7 @@
         </p:nvSpPr>
         <p:spPr>
           <a:xfrm>
-            <a:off x="6939470" y="2242993"/>
+            <a:off x="7520321" y="2242993"/>
             <a:ext cx="299358" cy="183697"/>
           </a:xfrm>
           <a:custGeom>
@@ -17567,7 +17572,7 @@
         </p:nvSpPr>
         <p:spPr>
           <a:xfrm>
-            <a:off x="5759599" y="2268176"/>
+            <a:off x="6340450" y="2268176"/>
             <a:ext cx="299358" cy="183697"/>
           </a:xfrm>
           <a:custGeom>
@@ -17778,7 +17783,7 @@
         </p:nvSpPr>
         <p:spPr>
           <a:xfrm>
-            <a:off x="5611010" y="2057218"/>
+            <a:off x="6191861" y="2057218"/>
             <a:ext cx="2178948" cy="1294208"/>
           </a:xfrm>
           <a:prstGeom prst="roundRect">
@@ -17834,7 +17839,7 @@
         </p:nvGrpSpPr>
         <p:grpSpPr>
           <a:xfrm>
-            <a:off x="5611268" y="1593771"/>
+            <a:off x="6192119" y="1593771"/>
             <a:ext cx="677196" cy="401025"/>
             <a:chOff x="983239" y="2076062"/>
             <a:chExt cx="2185483" cy="1294208"/>
@@ -19395,7 +19400,7 @@
         </p:nvGrpSpPr>
         <p:grpSpPr>
           <a:xfrm>
-            <a:off x="6361766" y="1591187"/>
+            <a:off x="6942617" y="1591187"/>
             <a:ext cx="677196" cy="401025"/>
             <a:chOff x="983239" y="2076062"/>
             <a:chExt cx="2185483" cy="1294208"/>
@@ -20956,7 +20961,7 @@
         </p:nvGrpSpPr>
         <p:grpSpPr>
           <a:xfrm>
-            <a:off x="7112961" y="1591187"/>
+            <a:off x="7693812" y="1591187"/>
             <a:ext cx="677196" cy="401025"/>
             <a:chOff x="983239" y="2076062"/>
             <a:chExt cx="2185483" cy="1294208"/>
@@ -22525,7 +22530,7 @@
         </p:blipFill>
         <p:spPr>
           <a:xfrm>
-            <a:off x="6454036" y="2828311"/>
+            <a:off x="7034887" y="2828311"/>
             <a:ext cx="490783" cy="492359"/>
           </a:xfrm>
           <a:prstGeom prst="rect">
@@ -22561,7 +22566,7 @@
         </p:blipFill>
         <p:spPr>
           <a:xfrm rot="941872">
-            <a:off x="4641843" y="2060182"/>
+            <a:off x="4935144" y="2060182"/>
             <a:ext cx="858121" cy="1248176"/>
           </a:xfrm>
           <a:prstGeom prst="rect">
@@ -22583,7 +22588,7 @@
         </p:nvSpPr>
         <p:spPr>
           <a:xfrm>
-            <a:off x="4337401" y="2363172"/>
+            <a:off x="4630702" y="2363172"/>
             <a:ext cx="418148" cy="438672"/>
           </a:xfrm>
           <a:prstGeom prst="bentArrow">
@@ -22660,7 +22665,7 @@
         </p:blipFill>
         <p:spPr>
           <a:xfrm>
-            <a:off x="5441581" y="2398273"/>
+            <a:off x="6022432" y="2398273"/>
             <a:ext cx="1269851" cy="1451258"/>
           </a:xfrm>
           <a:prstGeom prst="rect">
@@ -22682,7 +22687,7 @@
         </p:nvGrpSpPr>
         <p:grpSpPr>
           <a:xfrm rot="16200000">
-            <a:off x="6322193" y="3153281"/>
+            <a:off x="6903044" y="3153281"/>
             <a:ext cx="799402" cy="987627"/>
             <a:chOff x="3998768" y="2358340"/>
             <a:chExt cx="799402" cy="987627"/>
@@ -22924,6 +22929,41 @@
           </p:txBody>
         </p:sp>
       </p:grpSp>
+      <p:sp>
+        <p:nvSpPr>
+          <p:cNvPr id="2" name="TextBox 1">
+            <a:extLst>
+              <a:ext uri="{FF2B5EF4-FFF2-40B4-BE49-F238E27FC236}">
+                <a16:creationId xmlns:a16="http://schemas.microsoft.com/office/drawing/2014/main" id="{D6EDD908-0CA1-4E46-BD29-2FD7A3A977D3}"/>
+              </a:ext>
+            </a:extLst>
+          </p:cNvPr>
+          <p:cNvSpPr txBox="1"/>
+          <p:nvPr/>
+        </p:nvSpPr>
+        <p:spPr>
+          <a:xfrm>
+            <a:off x="895948" y="1007357"/>
+            <a:ext cx="6309470" cy="523220"/>
+          </a:xfrm>
+          <a:prstGeom prst="rect">
+            <a:avLst/>
+          </a:prstGeom>
+          <a:noFill/>
+        </p:spPr>
+        <p:txBody>
+          <a:bodyPr wrap="square" rtlCol="0">
+            <a:spAutoFit/>
+          </a:bodyPr>
+          <a:lstStyle/>
+          <a:p>
+            <a:r>
+              <a:rPr lang="de-DE" sz="2800" b="1" dirty="0"/>
+              <a:t>Emergency QR-Code</a:t>
+            </a:r>
+          </a:p>
+        </p:txBody>
+      </p:sp>
     </p:spTree>
     <p:extLst>
       <p:ext uri="{BB962C8B-B14F-4D97-AF65-F5344CB8AC3E}">
